--- a/CapstoneP1/ReportOuts/BaseballPerformanceAnalysisandResults.pptx
+++ b/CapstoneP1/ReportOuts/BaseballPerformanceAnalysisandResults.pptx
@@ -117,6 +117,11 @@
       </a:defRPr>
     </a:lvl9pPr>
   </p:defaultTextStyle>
+  <p:extLst>
+    <p:ext uri="{EFAFB233-063F-42B5-8137-9DF3F51BA10A}">
+      <p15:sldGuideLst xmlns:p15="http://schemas.microsoft.com/office/powerpoint/2012/main"/>
+    </p:ext>
+  </p:extLst>
 </p:presentation>
 </file>
 
@@ -3588,7 +3593,7 @@
             </a:pPr>
             <a:r>
               <a:rPr lang="en-US" dirty="0"/>
-              <a:t>Averaged Over All Players</a:t>
+              <a:t>Averaged Over all Players</a:t>
             </a:r>
           </a:p>
           <a:p>
@@ -3779,8 +3784,8 @@
         </p:nvSpPr>
         <p:spPr>
           <a:xfrm>
-            <a:off x="136848" y="1901263"/>
-            <a:ext cx="4568430" cy="3416320"/>
+            <a:off x="34115" y="1901263"/>
+            <a:ext cx="4775538" cy="3416320"/>
           </a:xfrm>
           <a:prstGeom prst="rect">
             <a:avLst/>
@@ -3816,7 +3821,7 @@
             </a:pPr>
             <a:r>
               <a:rPr lang="en-US" dirty="0"/>
-              <a:t>Averaged Over All Players</a:t>
+              <a:t>Averaged Over 34 Players (randomly selected)</a:t>
             </a:r>
           </a:p>
           <a:p>
@@ -3833,7 +3838,15 @@
             </a:pPr>
             <a:r>
               <a:rPr lang="en-US" dirty="0"/>
-              <a:t>Sample Required 300+ At Bats</a:t>
+              <a:t>Sample Required 300</a:t>
+            </a:r>
+            <a:r>
+              <a:rPr lang="en-US"/>
+              <a:t>+ Yearly At </a:t>
+            </a:r>
+            <a:r>
+              <a:rPr lang="en-US" dirty="0"/>
+              <a:t>Bats</a:t>
             </a:r>
           </a:p>
           <a:p>
@@ -5651,7 +5664,7 @@
         <p:spPr>
           <a:xfrm>
             <a:off x="295469" y="2062066"/>
-            <a:ext cx="3678315" cy="2585323"/>
+            <a:ext cx="3905749" cy="2585323"/>
           </a:xfrm>
           <a:prstGeom prst="rect">
             <a:avLst/>
@@ -5704,7 +5717,17 @@
             </a:pPr>
             <a:r>
               <a:rPr lang="en-US" dirty="0"/>
-              <a:t>Sample Required 300+ At Bats</a:t>
+              <a:t>Sample </a:t>
+            </a:r>
+            <a:r>
+              <a:rPr lang="en-US" dirty="0">
+                <a:sym typeface="Wingdings" panose="05000000000000000000" pitchFamily="2" charset="2"/>
+              </a:rPr>
+              <a:t>Required </a:t>
+            </a:r>
+            <a:r>
+              <a:rPr lang="en-US" dirty="0"/>
+              <a:t>300+ Yearly At Bats</a:t>
             </a:r>
           </a:p>
           <a:p>

--- a/CapstoneP1/ReportOuts/BaseballPerformanceAnalysisandResults.pptx
+++ b/CapstoneP1/ReportOuts/BaseballPerformanceAnalysisandResults.pptx
@@ -16,9 +16,10 @@
     <p:sldId id="264" r:id="rId10"/>
     <p:sldId id="265" r:id="rId11"/>
     <p:sldId id="266" r:id="rId12"/>
-    <p:sldId id="267" r:id="rId13"/>
-    <p:sldId id="268" r:id="rId14"/>
-    <p:sldId id="269" r:id="rId15"/>
+    <p:sldId id="270" r:id="rId13"/>
+    <p:sldId id="267" r:id="rId14"/>
+    <p:sldId id="268" r:id="rId15"/>
+    <p:sldId id="269" r:id="rId16"/>
   </p:sldIdLst>
   <p:sldSz cx="12192000" cy="6858000"/>
   <p:notesSz cx="6858000" cy="9144000"/>
@@ -3952,8 +3953,8 @@
         </p:nvSpPr>
         <p:spPr>
           <a:xfrm>
-            <a:off x="373225" y="186613"/>
-            <a:ext cx="2952924" cy="461665"/>
+            <a:off x="34115" y="69167"/>
+            <a:ext cx="6233501" cy="769441"/>
           </a:xfrm>
           <a:prstGeom prst="rect">
             <a:avLst/>
@@ -3968,17 +3969,23 @@
           <a:p>
             <a:r>
               <a:rPr lang="en-US" sz="2400" dirty="0"/>
-              <a:t>Steroid Era in Baseball</a:t>
-            </a:r>
-          </a:p>
-        </p:txBody>
-      </p:sp>
-      <p:sp>
-        <p:nvSpPr>
-          <p:cNvPr id="7" name="TextBox 6">
-            <a:extLst>
-              <a:ext uri="{FF2B5EF4-FFF2-40B4-BE49-F238E27FC236}">
-                <a16:creationId xmlns:a16="http://schemas.microsoft.com/office/drawing/2014/main" id="{CA841FFC-0C17-4C45-A37F-1535724DC045}"/>
+              <a:t>Career OPS Predictive Results – Selected Players </a:t>
+            </a:r>
+          </a:p>
+          <a:p>
+            <a:r>
+              <a:rPr lang="en-US" sz="2000" dirty="0"/>
+              <a:t>Five Year Projections – Two Known Years</a:t>
+            </a:r>
+          </a:p>
+        </p:txBody>
+      </p:sp>
+      <p:sp>
+        <p:nvSpPr>
+          <p:cNvPr id="8" name="TextBox 7">
+            <a:extLst>
+              <a:ext uri="{FF2B5EF4-FFF2-40B4-BE49-F238E27FC236}">
+                <a16:creationId xmlns:a16="http://schemas.microsoft.com/office/drawing/2014/main" id="{23CEE9BB-8657-4249-ADB3-E44AC48CC1D6}"/>
               </a:ext>
             </a:extLst>
           </p:cNvPr>
@@ -3987,8 +3994,8 @@
         </p:nvSpPr>
         <p:spPr>
           <a:xfrm>
-            <a:off x="3120838" y="1820411"/>
-            <a:ext cx="4757264" cy="2923877"/>
+            <a:off x="494522" y="6176061"/>
+            <a:ext cx="9497665" cy="369332"/>
           </a:xfrm>
           <a:prstGeom prst="rect">
             <a:avLst/>
@@ -4001,95 +4008,158 @@
           </a:bodyPr>
           <a:lstStyle/>
           <a:p>
-            <a:pPr marL="285750" indent="-285750">
-              <a:buFont typeface="Arial" panose="020B0604020202020204" pitchFamily="34" charset="0"/>
-              <a:buChar char="•"/>
-            </a:pPr>
-            <a:r>
-              <a:rPr lang="en-US" sz="2400" dirty="0"/>
-              <a:t>Steroid Era Timeframe</a:t>
-            </a:r>
-          </a:p>
-          <a:p>
-            <a:pPr marL="742950" lvl="1" indent="-285750">
-              <a:buFont typeface="Courier New" panose="02070309020205020404" pitchFamily="49" charset="0"/>
-              <a:buChar char="o"/>
-            </a:pPr>
-            <a:r>
-              <a:rPr lang="en-US" sz="2000" dirty="0"/>
-              <a:t>ESPN says Late 1980’s to Mid 2000</a:t>
-            </a:r>
-          </a:p>
-          <a:p>
-            <a:pPr marL="742950" lvl="1" indent="-285750">
-              <a:buFont typeface="Courier New" panose="02070309020205020404" pitchFamily="49" charset="0"/>
-              <a:buChar char="o"/>
-            </a:pPr>
-            <a:r>
-              <a:rPr lang="en-US" sz="2000" dirty="0"/>
-              <a:t>Other Definitions 1994 to 2004</a:t>
-            </a:r>
-          </a:p>
-          <a:p>
-            <a:pPr marL="742950" lvl="1" indent="-285750">
-              <a:buFont typeface="Courier New" panose="02070309020205020404" pitchFamily="49" charset="0"/>
-              <a:buChar char="o"/>
-            </a:pPr>
-            <a:r>
-              <a:rPr lang="en-US" sz="2000" dirty="0"/>
-              <a:t>Steroid Testing Implemented in 2004</a:t>
-            </a:r>
-          </a:p>
-          <a:p>
-            <a:pPr marL="285750" indent="-285750">
-              <a:buFont typeface="Arial" panose="020B0604020202020204" pitchFamily="34" charset="0"/>
-              <a:buChar char="•"/>
-            </a:pPr>
-            <a:endParaRPr lang="en-US" dirty="0"/>
-          </a:p>
-          <a:p>
-            <a:pPr marL="285750" indent="-285750">
-              <a:buFont typeface="Arial" panose="020B0604020202020204" pitchFamily="34" charset="0"/>
-              <a:buChar char="•"/>
-            </a:pPr>
-            <a:r>
-              <a:rPr lang="en-US" sz="2400" dirty="0"/>
-              <a:t>Was There Benefit</a:t>
-            </a:r>
-          </a:p>
-          <a:p>
-            <a:pPr marL="742950" lvl="1" indent="-285750">
-              <a:buFont typeface="Courier New" panose="02070309020205020404" pitchFamily="49" charset="0"/>
-              <a:buChar char="o"/>
-            </a:pPr>
-            <a:r>
-              <a:rPr lang="en-US" sz="2000" dirty="0"/>
-              <a:t>Did Players Benefit From Steroids</a:t>
-            </a:r>
-          </a:p>
-          <a:p>
-            <a:pPr marL="742950" lvl="1" indent="-285750">
-              <a:buFont typeface="Courier New" panose="02070309020205020404" pitchFamily="49" charset="0"/>
-              <a:buChar char="o"/>
-            </a:pPr>
-            <a:r>
-              <a:rPr lang="en-US" sz="2000" dirty="0"/>
-              <a:t>Is There Clear Evidence</a:t>
-            </a:r>
-          </a:p>
-          <a:p>
-            <a:pPr marL="742950" lvl="1" indent="-285750">
-              <a:buFont typeface="Arial" panose="020B0604020202020204" pitchFamily="34" charset="0"/>
-              <a:buChar char="•"/>
-            </a:pPr>
-            <a:endParaRPr lang="en-US" dirty="0"/>
-          </a:p>
-        </p:txBody>
-      </p:sp>
+            <a:r>
+              <a:rPr lang="en-US" dirty="0"/>
+              <a:t>Note that the average five-year career OPS actual vs. predicted error is as good as one year for OPS. </a:t>
+            </a:r>
+          </a:p>
+        </p:txBody>
+      </p:sp>
+      <p:grpSp>
+        <p:nvGrpSpPr>
+          <p:cNvPr id="11" name="Group 10">
+            <a:extLst>
+              <a:ext uri="{FF2B5EF4-FFF2-40B4-BE49-F238E27FC236}">
+                <a16:creationId xmlns:a16="http://schemas.microsoft.com/office/drawing/2014/main" id="{1EF45359-F026-4546-A0AE-FC649DE4BD6E}"/>
+              </a:ext>
+            </a:extLst>
+          </p:cNvPr>
+          <p:cNvGrpSpPr/>
+          <p:nvPr/>
+        </p:nvGrpSpPr>
+        <p:grpSpPr>
+          <a:xfrm>
+            <a:off x="371500" y="1002967"/>
+            <a:ext cx="5210151" cy="5007307"/>
+            <a:chOff x="371500" y="821992"/>
+            <a:chExt cx="5210151" cy="5007307"/>
+          </a:xfrm>
+        </p:grpSpPr>
+        <p:pic>
+          <p:nvPicPr>
+            <p:cNvPr id="7" name="Picture 6">
+              <a:extLst>
+                <a:ext uri="{FF2B5EF4-FFF2-40B4-BE49-F238E27FC236}">
+                  <a16:creationId xmlns:a16="http://schemas.microsoft.com/office/drawing/2014/main" id="{B05A6A6F-D920-4F65-8DC2-EB80BA4BBBB9}"/>
+                </a:ext>
+              </a:extLst>
+            </p:cNvPr>
+            <p:cNvPicPr>
+              <a:picLocks noChangeAspect="1"/>
+            </p:cNvPicPr>
+            <p:nvPr/>
+          </p:nvPicPr>
+          <p:blipFill>
+            <a:blip r:embed="rId2"/>
+            <a:stretch>
+              <a:fillRect/>
+            </a:stretch>
+          </p:blipFill>
+          <p:spPr>
+            <a:xfrm>
+              <a:off x="371500" y="1498267"/>
+              <a:ext cx="5210151" cy="4331032"/>
+            </a:xfrm>
+            <a:prstGeom prst="rect">
+              <a:avLst/>
+            </a:prstGeom>
+          </p:spPr>
+        </p:pic>
+        <p:pic>
+          <p:nvPicPr>
+            <p:cNvPr id="10" name="Picture 9">
+              <a:extLst>
+                <a:ext uri="{FF2B5EF4-FFF2-40B4-BE49-F238E27FC236}">
+                  <a16:creationId xmlns:a16="http://schemas.microsoft.com/office/drawing/2014/main" id="{C35E20C4-1EA9-4608-B47E-206846EDF662}"/>
+                </a:ext>
+              </a:extLst>
+            </p:cNvPr>
+            <p:cNvPicPr>
+              <a:picLocks noChangeAspect="1"/>
+            </p:cNvPicPr>
+            <p:nvPr/>
+          </p:nvPicPr>
+          <p:blipFill>
+            <a:blip r:embed="rId3"/>
+            <a:stretch>
+              <a:fillRect/>
+            </a:stretch>
+          </p:blipFill>
+          <p:spPr>
+            <a:xfrm>
+              <a:off x="494522" y="821992"/>
+              <a:ext cx="2124075" cy="676275"/>
+            </a:xfrm>
+            <a:prstGeom prst="rect">
+              <a:avLst/>
+            </a:prstGeom>
+          </p:spPr>
+        </p:pic>
+      </p:grpSp>
+      <p:pic>
+        <p:nvPicPr>
+          <p:cNvPr id="12" name="Picture 11">
+            <a:extLst>
+              <a:ext uri="{FF2B5EF4-FFF2-40B4-BE49-F238E27FC236}">
+                <a16:creationId xmlns:a16="http://schemas.microsoft.com/office/drawing/2014/main" id="{EC8BA49E-C296-4195-92A7-D5B9494011FC}"/>
+              </a:ext>
+            </a:extLst>
+          </p:cNvPr>
+          <p:cNvPicPr>
+            <a:picLocks noChangeAspect="1"/>
+          </p:cNvPicPr>
+          <p:nvPr/>
+        </p:nvPicPr>
+        <p:blipFill>
+          <a:blip r:embed="rId4"/>
+          <a:stretch>
+            <a:fillRect/>
+          </a:stretch>
+        </p:blipFill>
+        <p:spPr>
+          <a:xfrm>
+            <a:off x="5986853" y="1022017"/>
+            <a:ext cx="2133600" cy="657225"/>
+          </a:xfrm>
+          <a:prstGeom prst="rect">
+            <a:avLst/>
+          </a:prstGeom>
+        </p:spPr>
+      </p:pic>
+      <p:pic>
+        <p:nvPicPr>
+          <p:cNvPr id="14" name="Picture 13">
+            <a:extLst>
+              <a:ext uri="{FF2B5EF4-FFF2-40B4-BE49-F238E27FC236}">
+                <a16:creationId xmlns:a16="http://schemas.microsoft.com/office/drawing/2014/main" id="{1BEF2C3D-C2EA-4170-A7BC-90AF17B456A4}"/>
+              </a:ext>
+            </a:extLst>
+          </p:cNvPr>
+          <p:cNvPicPr>
+            <a:picLocks noChangeAspect="1"/>
+          </p:cNvPicPr>
+          <p:nvPr/>
+        </p:nvPicPr>
+        <p:blipFill>
+          <a:blip r:embed="rId5"/>
+          <a:stretch>
+            <a:fillRect/>
+          </a:stretch>
+        </p:blipFill>
+        <p:spPr>
+          <a:xfrm>
+            <a:off x="5873622" y="1726197"/>
+            <a:ext cx="5537328" cy="4284077"/>
+          </a:xfrm>
+          <a:prstGeom prst="rect">
+            <a:avLst/>
+          </a:prstGeom>
+        </p:spPr>
+      </p:pic>
     </p:spTree>
     <p:extLst>
       <p:ext uri="{BB962C8B-B14F-4D97-AF65-F5344CB8AC3E}">
-        <p14:creationId xmlns:p14="http://schemas.microsoft.com/office/powerpoint/2010/main" val="750299995"/>
+        <p14:creationId xmlns:p14="http://schemas.microsoft.com/office/powerpoint/2010/main" val="1643990962"/>
       </p:ext>
     </p:extLst>
   </p:cSld>
@@ -4151,6 +4221,184 @@
           </a:p>
         </p:txBody>
       </p:sp>
+      <p:sp>
+        <p:nvSpPr>
+          <p:cNvPr id="7" name="TextBox 6">
+            <a:extLst>
+              <a:ext uri="{FF2B5EF4-FFF2-40B4-BE49-F238E27FC236}">
+                <a16:creationId xmlns:a16="http://schemas.microsoft.com/office/drawing/2014/main" id="{CA841FFC-0C17-4C45-A37F-1535724DC045}"/>
+              </a:ext>
+            </a:extLst>
+          </p:cNvPr>
+          <p:cNvSpPr txBox="1"/>
+          <p:nvPr/>
+        </p:nvSpPr>
+        <p:spPr>
+          <a:xfrm>
+            <a:off x="3120838" y="1820411"/>
+            <a:ext cx="4757264" cy="2923877"/>
+          </a:xfrm>
+          <a:prstGeom prst="rect">
+            <a:avLst/>
+          </a:prstGeom>
+          <a:noFill/>
+        </p:spPr>
+        <p:txBody>
+          <a:bodyPr wrap="none" rtlCol="0">
+            <a:spAutoFit/>
+          </a:bodyPr>
+          <a:lstStyle/>
+          <a:p>
+            <a:pPr marL="285750" indent="-285750">
+              <a:buFont typeface="Arial" panose="020B0604020202020204" pitchFamily="34" charset="0"/>
+              <a:buChar char="•"/>
+            </a:pPr>
+            <a:r>
+              <a:rPr lang="en-US" sz="2400" dirty="0"/>
+              <a:t>Steroid Era Timeframe</a:t>
+            </a:r>
+          </a:p>
+          <a:p>
+            <a:pPr marL="742950" lvl="1" indent="-285750">
+              <a:buFont typeface="Courier New" panose="02070309020205020404" pitchFamily="49" charset="0"/>
+              <a:buChar char="o"/>
+            </a:pPr>
+            <a:r>
+              <a:rPr lang="en-US" sz="2000" dirty="0"/>
+              <a:t>ESPN says Late 1980’s to Mid 2000</a:t>
+            </a:r>
+          </a:p>
+          <a:p>
+            <a:pPr marL="742950" lvl="1" indent="-285750">
+              <a:buFont typeface="Courier New" panose="02070309020205020404" pitchFamily="49" charset="0"/>
+              <a:buChar char="o"/>
+            </a:pPr>
+            <a:r>
+              <a:rPr lang="en-US" sz="2000" dirty="0"/>
+              <a:t>Other Definitions 1994 to 2004</a:t>
+            </a:r>
+          </a:p>
+          <a:p>
+            <a:pPr marL="742950" lvl="1" indent="-285750">
+              <a:buFont typeface="Courier New" panose="02070309020205020404" pitchFamily="49" charset="0"/>
+              <a:buChar char="o"/>
+            </a:pPr>
+            <a:r>
+              <a:rPr lang="en-US" sz="2000" dirty="0"/>
+              <a:t>Steroid Testing Implemented in 2004</a:t>
+            </a:r>
+          </a:p>
+          <a:p>
+            <a:pPr marL="285750" indent="-285750">
+              <a:buFont typeface="Arial" panose="020B0604020202020204" pitchFamily="34" charset="0"/>
+              <a:buChar char="•"/>
+            </a:pPr>
+            <a:endParaRPr lang="en-US" dirty="0"/>
+          </a:p>
+          <a:p>
+            <a:pPr marL="285750" indent="-285750">
+              <a:buFont typeface="Arial" panose="020B0604020202020204" pitchFamily="34" charset="0"/>
+              <a:buChar char="•"/>
+            </a:pPr>
+            <a:r>
+              <a:rPr lang="en-US" sz="2400" dirty="0"/>
+              <a:t>Was There Benefit</a:t>
+            </a:r>
+          </a:p>
+          <a:p>
+            <a:pPr marL="742950" lvl="1" indent="-285750">
+              <a:buFont typeface="Courier New" panose="02070309020205020404" pitchFamily="49" charset="0"/>
+              <a:buChar char="o"/>
+            </a:pPr>
+            <a:r>
+              <a:rPr lang="en-US" sz="2000" dirty="0"/>
+              <a:t>Did Players Benefit From Steroids</a:t>
+            </a:r>
+          </a:p>
+          <a:p>
+            <a:pPr marL="742950" lvl="1" indent="-285750">
+              <a:buFont typeface="Courier New" panose="02070309020205020404" pitchFamily="49" charset="0"/>
+              <a:buChar char="o"/>
+            </a:pPr>
+            <a:r>
+              <a:rPr lang="en-US" sz="2000" dirty="0"/>
+              <a:t>Is There Clear Evidence</a:t>
+            </a:r>
+          </a:p>
+          <a:p>
+            <a:pPr marL="742950" lvl="1" indent="-285750">
+              <a:buFont typeface="Arial" panose="020B0604020202020204" pitchFamily="34" charset="0"/>
+              <a:buChar char="•"/>
+            </a:pPr>
+            <a:endParaRPr lang="en-US" dirty="0"/>
+          </a:p>
+        </p:txBody>
+      </p:sp>
+    </p:spTree>
+    <p:extLst>
+      <p:ext uri="{BB962C8B-B14F-4D97-AF65-F5344CB8AC3E}">
+        <p14:creationId xmlns:p14="http://schemas.microsoft.com/office/powerpoint/2010/main" val="750299995"/>
+      </p:ext>
+    </p:extLst>
+  </p:cSld>
+  <p:clrMapOvr>
+    <a:masterClrMapping/>
+  </p:clrMapOvr>
+</p:sld>
+</file>
+
+<file path=ppt/slides/slide14.xml><?xml version="1.0" encoding="utf-8"?>
+<p:sld xmlns:a="http://schemas.openxmlformats.org/drawingml/2006/main" xmlns:r="http://schemas.openxmlformats.org/officeDocument/2006/relationships" xmlns:p="http://schemas.openxmlformats.org/presentationml/2006/main">
+  <p:cSld>
+    <p:spTree>
+      <p:nvGrpSpPr>
+        <p:cNvPr id="1" name=""/>
+        <p:cNvGrpSpPr/>
+        <p:nvPr/>
+      </p:nvGrpSpPr>
+      <p:grpSpPr>
+        <a:xfrm>
+          <a:off x="0" y="0"/>
+          <a:ext cx="0" cy="0"/>
+          <a:chOff x="0" y="0"/>
+          <a:chExt cx="0" cy="0"/>
+        </a:xfrm>
+      </p:grpSpPr>
+      <p:sp>
+        <p:nvSpPr>
+          <p:cNvPr id="4" name="TextBox 3">
+            <a:extLst>
+              <a:ext uri="{FF2B5EF4-FFF2-40B4-BE49-F238E27FC236}">
+                <a16:creationId xmlns:a16="http://schemas.microsoft.com/office/drawing/2014/main" id="{5927AAAB-53B5-4044-AFA9-044BF2DEAAA0}"/>
+              </a:ext>
+            </a:extLst>
+          </p:cNvPr>
+          <p:cNvSpPr txBox="1"/>
+          <p:nvPr/>
+        </p:nvSpPr>
+        <p:spPr>
+          <a:xfrm>
+            <a:off x="373225" y="186613"/>
+            <a:ext cx="2952924" cy="461665"/>
+          </a:xfrm>
+          <a:prstGeom prst="rect">
+            <a:avLst/>
+          </a:prstGeom>
+          <a:noFill/>
+        </p:spPr>
+        <p:txBody>
+          <a:bodyPr wrap="none" rtlCol="0">
+            <a:spAutoFit/>
+          </a:bodyPr>
+          <a:lstStyle/>
+          <a:p>
+            <a:r>
+              <a:rPr lang="en-US" sz="2400" dirty="0"/>
+              <a:t>Steroid Era in Baseball</a:t>
+            </a:r>
+          </a:p>
+        </p:txBody>
+      </p:sp>
       <p:pic>
         <p:nvPicPr>
           <p:cNvPr id="5" name="Picture 4">
@@ -4271,7 +4519,7 @@
 </p:sld>
 </file>
 
-<file path=ppt/slides/slide14.xml><?xml version="1.0" encoding="utf-8"?>
+<file path=ppt/slides/slide15.xml><?xml version="1.0" encoding="utf-8"?>
 <p:sld xmlns:a="http://schemas.openxmlformats.org/drawingml/2006/main" xmlns:r="http://schemas.openxmlformats.org/officeDocument/2006/relationships" xmlns:p="http://schemas.openxmlformats.org/presentationml/2006/main">
   <p:cSld>
     <p:spTree>

--- a/CapstoneP1/ReportOuts/BaseballPerformanceAnalysisandResults.pptx
+++ b/CapstoneP1/ReportOuts/BaseballPerformanceAnalysisandResults.pptx
@@ -273,7 +273,7 @@
           <a:p>
             <a:fld id="{16A7552C-3430-468A-9E71-7FC5C0DE6B65}" type="datetimeFigureOut">
               <a:rPr lang="en-US" smtClean="0"/>
-              <a:t>12/23/2019</a:t>
+              <a:t>1/7/2020</a:t>
             </a:fld>
             <a:endParaRPr lang="en-US"/>
           </a:p>
@@ -471,7 +471,7 @@
           <a:p>
             <a:fld id="{16A7552C-3430-468A-9E71-7FC5C0DE6B65}" type="datetimeFigureOut">
               <a:rPr lang="en-US" smtClean="0"/>
-              <a:t>12/23/2019</a:t>
+              <a:t>1/7/2020</a:t>
             </a:fld>
             <a:endParaRPr lang="en-US"/>
           </a:p>
@@ -679,7 +679,7 @@
           <a:p>
             <a:fld id="{16A7552C-3430-468A-9E71-7FC5C0DE6B65}" type="datetimeFigureOut">
               <a:rPr lang="en-US" smtClean="0"/>
-              <a:t>12/23/2019</a:t>
+              <a:t>1/7/2020</a:t>
             </a:fld>
             <a:endParaRPr lang="en-US"/>
           </a:p>
@@ -877,7 +877,7 @@
           <a:p>
             <a:fld id="{16A7552C-3430-468A-9E71-7FC5C0DE6B65}" type="datetimeFigureOut">
               <a:rPr lang="en-US" smtClean="0"/>
-              <a:t>12/23/2019</a:t>
+              <a:t>1/7/2020</a:t>
             </a:fld>
             <a:endParaRPr lang="en-US"/>
           </a:p>
@@ -1152,7 +1152,7 @@
           <a:p>
             <a:fld id="{16A7552C-3430-468A-9E71-7FC5C0DE6B65}" type="datetimeFigureOut">
               <a:rPr lang="en-US" smtClean="0"/>
-              <a:t>12/23/2019</a:t>
+              <a:t>1/7/2020</a:t>
             </a:fld>
             <a:endParaRPr lang="en-US"/>
           </a:p>
@@ -1417,7 +1417,7 @@
           <a:p>
             <a:fld id="{16A7552C-3430-468A-9E71-7FC5C0DE6B65}" type="datetimeFigureOut">
               <a:rPr lang="en-US" smtClean="0"/>
-              <a:t>12/23/2019</a:t>
+              <a:t>1/7/2020</a:t>
             </a:fld>
             <a:endParaRPr lang="en-US"/>
           </a:p>
@@ -1829,7 +1829,7 @@
           <a:p>
             <a:fld id="{16A7552C-3430-468A-9E71-7FC5C0DE6B65}" type="datetimeFigureOut">
               <a:rPr lang="en-US" smtClean="0"/>
-              <a:t>12/23/2019</a:t>
+              <a:t>1/7/2020</a:t>
             </a:fld>
             <a:endParaRPr lang="en-US"/>
           </a:p>
@@ -1970,7 +1970,7 @@
           <a:p>
             <a:fld id="{16A7552C-3430-468A-9E71-7FC5C0DE6B65}" type="datetimeFigureOut">
               <a:rPr lang="en-US" smtClean="0"/>
-              <a:t>12/23/2019</a:t>
+              <a:t>1/7/2020</a:t>
             </a:fld>
             <a:endParaRPr lang="en-US"/>
           </a:p>
@@ -2083,7 +2083,7 @@
           <a:p>
             <a:fld id="{16A7552C-3430-468A-9E71-7FC5C0DE6B65}" type="datetimeFigureOut">
               <a:rPr lang="en-US" smtClean="0"/>
-              <a:t>12/23/2019</a:t>
+              <a:t>1/7/2020</a:t>
             </a:fld>
             <a:endParaRPr lang="en-US"/>
           </a:p>
@@ -2394,7 +2394,7 @@
           <a:p>
             <a:fld id="{16A7552C-3430-468A-9E71-7FC5C0DE6B65}" type="datetimeFigureOut">
               <a:rPr lang="en-US" smtClean="0"/>
-              <a:t>12/23/2019</a:t>
+              <a:t>1/7/2020</a:t>
             </a:fld>
             <a:endParaRPr lang="en-US"/>
           </a:p>
@@ -2682,7 +2682,7 @@
           <a:p>
             <a:fld id="{16A7552C-3430-468A-9E71-7FC5C0DE6B65}" type="datetimeFigureOut">
               <a:rPr lang="en-US" smtClean="0"/>
-              <a:t>12/23/2019</a:t>
+              <a:t>1/7/2020</a:t>
             </a:fld>
             <a:endParaRPr lang="en-US"/>
           </a:p>
@@ -2923,7 +2923,7 @@
           <a:p>
             <a:fld id="{16A7552C-3430-468A-9E71-7FC5C0DE6B65}" type="datetimeFigureOut">
               <a:rPr lang="en-US" smtClean="0"/>
-              <a:t>12/23/2019</a:t>
+              <a:t>1/7/2020</a:t>
             </a:fld>
             <a:endParaRPr lang="en-US"/>
           </a:p>
@@ -5931,8 +5931,13 @@
             </a:pPr>
             <a:r>
               <a:rPr lang="en-US" dirty="0"/>
-              <a:t>One Year Predictions</a:t>
-            </a:r>
+              <a:t>One Year Predictions </a:t>
+            </a:r>
+            <a:r>
+              <a:rPr lang="en-US"/>
+              <a:t>(only)</a:t>
+            </a:r>
+            <a:endParaRPr lang="en-US" dirty="0"/>
           </a:p>
           <a:p>
             <a:pPr marL="285750" indent="-285750">
